--- a/assets/image.pptx
+++ b/assets/image.pptx
@@ -3710,7 +3710,7 @@
         <p:spPr>
           <a:xfrm>
             <a:off x="882869" y="2349061"/>
-            <a:ext cx="923651" cy="461665"/>
+            <a:ext cx="821059" cy="461665"/>
           </a:xfrm>
           <a:prstGeom prst="rect">
             <a:avLst/>
@@ -3730,7 +3730,7 @@
           <a:p>
             <a:r>
               <a:rPr kumimoji="1" lang="en-US" altLang="ko-Kore-KR" sz="2400" dirty="0"/>
-              <a:t>UTF-8</a:t>
+              <a:t>ASCII</a:t>
             </a:r>
             <a:endParaRPr kumimoji="1" lang="ko-Kore-KR" altLang="en-US" sz="2400" dirty="0"/>
           </a:p>
@@ -3777,15 +3777,11 @@
               <a:t> </a:t>
             </a:r>
             <a:r>
-              <a:rPr kumimoji="1" lang="en-US" altLang="ko-KR" sz="1600"/>
-              <a:t>1</a:t>
-            </a:r>
-            <a:r>
               <a:rPr kumimoji="1" lang="en-US" altLang="ko-KR" sz="1600" dirty="0"/>
-              <a:t>0</a:t>
-            </a:r>
-            <a:r>
-              <a:rPr kumimoji="1" lang="ko-KR" altLang="en-US" sz="1600"/>
+              <a:t>10</a:t>
+            </a:r>
+            <a:r>
+              <a:rPr kumimoji="1" lang="ko-KR" altLang="en-US" sz="1600" dirty="0"/>
               <a:t>바이트</a:t>
             </a:r>
             <a:endParaRPr kumimoji="1" lang="ko-Kore-KR" altLang="en-US" sz="1600" dirty="0"/>

--- a/assets/image.pptx
+++ b/assets/image.pptx
@@ -7,6 +7,7 @@
   <p:sldIdLst>
     <p:sldId id="256" r:id="rId2"/>
     <p:sldId id="257" r:id="rId3"/>
+    <p:sldId id="258" r:id="rId4"/>
   </p:sldIdLst>
   <p:sldSz cx="12192000" cy="6858000"/>
   <p:notesSz cx="6858000" cy="9144000"/>
@@ -262,7 +263,7 @@
           <a:p>
             <a:fld id="{12F90BDD-BBAA-CC4B-98AD-B6E639C11867}" type="datetimeFigureOut">
               <a:rPr kumimoji="1" lang="ko-Kore-KR" altLang="en-US" smtClean="0"/>
-              <a:t>2021. 4. 19.</a:t>
+              <a:t>2021. 4. 29.</a:t>
             </a:fld>
             <a:endParaRPr kumimoji="1" lang="ko-Kore-KR" altLang="en-US"/>
           </a:p>
@@ -462,7 +463,7 @@
           <a:p>
             <a:fld id="{12F90BDD-BBAA-CC4B-98AD-B6E639C11867}" type="datetimeFigureOut">
               <a:rPr kumimoji="1" lang="ko-Kore-KR" altLang="en-US" smtClean="0"/>
-              <a:t>2021. 4. 19.</a:t>
+              <a:t>2021. 4. 29.</a:t>
             </a:fld>
             <a:endParaRPr kumimoji="1" lang="ko-Kore-KR" altLang="en-US"/>
           </a:p>
@@ -672,7 +673,7 @@
           <a:p>
             <a:fld id="{12F90BDD-BBAA-CC4B-98AD-B6E639C11867}" type="datetimeFigureOut">
               <a:rPr kumimoji="1" lang="ko-Kore-KR" altLang="en-US" smtClean="0"/>
-              <a:t>2021. 4. 19.</a:t>
+              <a:t>2021. 4. 29.</a:t>
             </a:fld>
             <a:endParaRPr kumimoji="1" lang="ko-Kore-KR" altLang="en-US"/>
           </a:p>
@@ -872,7 +873,7 @@
           <a:p>
             <a:fld id="{12F90BDD-BBAA-CC4B-98AD-B6E639C11867}" type="datetimeFigureOut">
               <a:rPr kumimoji="1" lang="ko-Kore-KR" altLang="en-US" smtClean="0"/>
-              <a:t>2021. 4. 19.</a:t>
+              <a:t>2021. 4. 29.</a:t>
             </a:fld>
             <a:endParaRPr kumimoji="1" lang="ko-Kore-KR" altLang="en-US"/>
           </a:p>
@@ -1148,7 +1149,7 @@
           <a:p>
             <a:fld id="{12F90BDD-BBAA-CC4B-98AD-B6E639C11867}" type="datetimeFigureOut">
               <a:rPr kumimoji="1" lang="ko-Kore-KR" altLang="en-US" smtClean="0"/>
-              <a:t>2021. 4. 19.</a:t>
+              <a:t>2021. 4. 29.</a:t>
             </a:fld>
             <a:endParaRPr kumimoji="1" lang="ko-Kore-KR" altLang="en-US"/>
           </a:p>
@@ -1416,7 +1417,7 @@
           <a:p>
             <a:fld id="{12F90BDD-BBAA-CC4B-98AD-B6E639C11867}" type="datetimeFigureOut">
               <a:rPr kumimoji="1" lang="ko-Kore-KR" altLang="en-US" smtClean="0"/>
-              <a:t>2021. 4. 19.</a:t>
+              <a:t>2021. 4. 29.</a:t>
             </a:fld>
             <a:endParaRPr kumimoji="1" lang="ko-Kore-KR" altLang="en-US"/>
           </a:p>
@@ -1831,7 +1832,7 @@
           <a:p>
             <a:fld id="{12F90BDD-BBAA-CC4B-98AD-B6E639C11867}" type="datetimeFigureOut">
               <a:rPr kumimoji="1" lang="ko-Kore-KR" altLang="en-US" smtClean="0"/>
-              <a:t>2021. 4. 19.</a:t>
+              <a:t>2021. 4. 29.</a:t>
             </a:fld>
             <a:endParaRPr kumimoji="1" lang="ko-Kore-KR" altLang="en-US"/>
           </a:p>
@@ -1973,7 +1974,7 @@
           <a:p>
             <a:fld id="{12F90BDD-BBAA-CC4B-98AD-B6E639C11867}" type="datetimeFigureOut">
               <a:rPr kumimoji="1" lang="ko-Kore-KR" altLang="en-US" smtClean="0"/>
-              <a:t>2021. 4. 19.</a:t>
+              <a:t>2021. 4. 29.</a:t>
             </a:fld>
             <a:endParaRPr kumimoji="1" lang="ko-Kore-KR" altLang="en-US"/>
           </a:p>
@@ -2086,7 +2087,7 @@
           <a:p>
             <a:fld id="{12F90BDD-BBAA-CC4B-98AD-B6E639C11867}" type="datetimeFigureOut">
               <a:rPr kumimoji="1" lang="ko-Kore-KR" altLang="en-US" smtClean="0"/>
-              <a:t>2021. 4. 19.</a:t>
+              <a:t>2021. 4. 29.</a:t>
             </a:fld>
             <a:endParaRPr kumimoji="1" lang="ko-Kore-KR" altLang="en-US"/>
           </a:p>
@@ -2399,7 +2400,7 @@
           <a:p>
             <a:fld id="{12F90BDD-BBAA-CC4B-98AD-B6E639C11867}" type="datetimeFigureOut">
               <a:rPr kumimoji="1" lang="ko-Kore-KR" altLang="en-US" smtClean="0"/>
-              <a:t>2021. 4. 19.</a:t>
+              <a:t>2021. 4. 29.</a:t>
             </a:fld>
             <a:endParaRPr kumimoji="1" lang="ko-Kore-KR" altLang="en-US"/>
           </a:p>
@@ -2688,7 +2689,7 @@
           <a:p>
             <a:fld id="{12F90BDD-BBAA-CC4B-98AD-B6E639C11867}" type="datetimeFigureOut">
               <a:rPr kumimoji="1" lang="ko-Kore-KR" altLang="en-US" smtClean="0"/>
-              <a:t>2021. 4. 19.</a:t>
+              <a:t>2021. 4. 29.</a:t>
             </a:fld>
             <a:endParaRPr kumimoji="1" lang="ko-Kore-KR" altLang="en-US"/>
           </a:p>
@@ -2931,7 +2932,7 @@
           <a:p>
             <a:fld id="{12F90BDD-BBAA-CC4B-98AD-B6E639C11867}" type="datetimeFigureOut">
               <a:rPr kumimoji="1" lang="ko-Kore-KR" altLang="en-US" smtClean="0"/>
-              <a:t>2021. 4. 19.</a:t>
+              <a:t>2021. 4. 29.</a:t>
             </a:fld>
             <a:endParaRPr kumimoji="1" lang="ko-Kore-KR" altLang="en-US"/>
           </a:p>
@@ -3801,6 +3802,247 @@
 </p:sld>
 </file>
 
+<file path=ppt/slides/slide3.xml><?xml version="1.0" encoding="utf-8"?>
+<p:sld xmlns:a="http://schemas.openxmlformats.org/drawingml/2006/main" xmlns:r="http://schemas.openxmlformats.org/officeDocument/2006/relationships" xmlns:p="http://schemas.openxmlformats.org/presentationml/2006/main">
+  <p:cSld>
+    <p:spTree>
+      <p:nvGrpSpPr>
+        <p:cNvPr id="1" name=""/>
+        <p:cNvGrpSpPr/>
+        <p:nvPr/>
+      </p:nvGrpSpPr>
+      <p:grpSpPr>
+        <a:xfrm>
+          <a:off x="0" y="0"/>
+          <a:ext cx="0" cy="0"/>
+          <a:chOff x="0" y="0"/>
+          <a:chExt cx="0" cy="0"/>
+        </a:xfrm>
+      </p:grpSpPr>
+      <p:sp>
+        <p:nvSpPr>
+          <p:cNvPr id="4" name="타원 3">
+            <a:extLst>
+              <a:ext uri="{FF2B5EF4-FFF2-40B4-BE49-F238E27FC236}">
+                <a16:creationId xmlns:a16="http://schemas.microsoft.com/office/drawing/2014/main" id="{462A8539-9E29-C74E-9606-77C65B163288}"/>
+              </a:ext>
+            </a:extLst>
+          </p:cNvPr>
+          <p:cNvSpPr/>
+          <p:nvPr/>
+        </p:nvSpPr>
+        <p:spPr>
+          <a:xfrm>
+            <a:off x="2154620" y="2175641"/>
+            <a:ext cx="2354317" cy="2354317"/>
+          </a:xfrm>
+          <a:prstGeom prst="ellipse">
+            <a:avLst/>
+          </a:prstGeom>
+          <a:solidFill>
+            <a:schemeClr val="accent2">
+              <a:lumMod val="40000"/>
+              <a:lumOff val="60000"/>
+            </a:schemeClr>
+          </a:solidFill>
+          <a:ln>
+            <a:noFill/>
+          </a:ln>
+        </p:spPr>
+        <p:style>
+          <a:lnRef idx="2">
+            <a:schemeClr val="accent1">
+              <a:shade val="50000"/>
+            </a:schemeClr>
+          </a:lnRef>
+          <a:fillRef idx="1">
+            <a:schemeClr val="accent1"/>
+          </a:fillRef>
+          <a:effectRef idx="0">
+            <a:schemeClr val="accent1"/>
+          </a:effectRef>
+          <a:fontRef idx="minor">
+            <a:schemeClr val="lt1"/>
+          </a:fontRef>
+        </p:style>
+        <p:txBody>
+          <a:bodyPr rtlCol="0" anchor="ctr"/>
+          <a:lstStyle/>
+          <a:p>
+            <a:pPr algn="ctr"/>
+            <a:r>
+              <a:rPr kumimoji="1" lang="ko-KR" altLang="en-US" sz="2000" dirty="0">
+                <a:solidFill>
+                  <a:sysClr val="windowText" lastClr="000000"/>
+                </a:solidFill>
+                <a:latin typeface="Malgun Gothic" panose="020B0503020000020004" pitchFamily="34" charset="-127"/>
+                <a:ea typeface="Malgun Gothic" panose="020B0503020000020004" pitchFamily="34" charset="-127"/>
+              </a:rPr>
+              <a:t>클라이언트</a:t>
+            </a:r>
+            <a:endParaRPr kumimoji="1" lang="ko-Kore-KR" altLang="en-US" sz="2000" dirty="0">
+              <a:solidFill>
+                <a:sysClr val="windowText" lastClr="000000"/>
+              </a:solidFill>
+              <a:latin typeface="Malgun Gothic" panose="020B0503020000020004" pitchFamily="34" charset="-127"/>
+              <a:ea typeface="Malgun Gothic" panose="020B0503020000020004" pitchFamily="34" charset="-127"/>
+            </a:endParaRPr>
+          </a:p>
+        </p:txBody>
+      </p:sp>
+      <p:sp>
+        <p:nvSpPr>
+          <p:cNvPr id="5" name="타원 4">
+            <a:extLst>
+              <a:ext uri="{FF2B5EF4-FFF2-40B4-BE49-F238E27FC236}">
+                <a16:creationId xmlns:a16="http://schemas.microsoft.com/office/drawing/2014/main" id="{A19E17B3-7A31-8142-90A2-E7A35633F6B6}"/>
+              </a:ext>
+            </a:extLst>
+          </p:cNvPr>
+          <p:cNvSpPr/>
+          <p:nvPr/>
+        </p:nvSpPr>
+        <p:spPr>
+          <a:xfrm>
+            <a:off x="6894786" y="2175641"/>
+            <a:ext cx="2354317" cy="2354317"/>
+          </a:xfrm>
+          <a:prstGeom prst="ellipse">
+            <a:avLst/>
+          </a:prstGeom>
+          <a:solidFill>
+            <a:schemeClr val="accent5">
+              <a:lumMod val="40000"/>
+              <a:lumOff val="60000"/>
+            </a:schemeClr>
+          </a:solidFill>
+          <a:ln>
+            <a:noFill/>
+          </a:ln>
+        </p:spPr>
+        <p:style>
+          <a:lnRef idx="2">
+            <a:schemeClr val="accent1">
+              <a:shade val="50000"/>
+            </a:schemeClr>
+          </a:lnRef>
+          <a:fillRef idx="1">
+            <a:schemeClr val="accent1"/>
+          </a:fillRef>
+          <a:effectRef idx="0">
+            <a:schemeClr val="accent1"/>
+          </a:effectRef>
+          <a:fontRef idx="minor">
+            <a:schemeClr val="lt1"/>
+          </a:fontRef>
+        </p:style>
+        <p:txBody>
+          <a:bodyPr rtlCol="0" anchor="ctr"/>
+          <a:lstStyle/>
+          <a:p>
+            <a:pPr algn="ctr"/>
+            <a:r>
+              <a:rPr kumimoji="1" lang="ko-Kore-KR" altLang="en-US" sz="2000" dirty="0">
+                <a:solidFill>
+                  <a:sysClr val="windowText" lastClr="000000"/>
+                </a:solidFill>
+                <a:latin typeface="Malgun Gothic" panose="020B0503020000020004" pitchFamily="34" charset="-127"/>
+                <a:ea typeface="Malgun Gothic" panose="020B0503020000020004" pitchFamily="34" charset="-127"/>
+              </a:rPr>
+              <a:t>서버</a:t>
+            </a:r>
+          </a:p>
+        </p:txBody>
+      </p:sp>
+      <p:pic>
+        <p:nvPicPr>
+          <p:cNvPr id="6" name="그림 5">
+            <a:extLst>
+              <a:ext uri="{FF2B5EF4-FFF2-40B4-BE49-F238E27FC236}">
+                <a16:creationId xmlns:a16="http://schemas.microsoft.com/office/drawing/2014/main" id="{138D1E57-227D-6E4E-8142-AEFA7EAE2A9F}"/>
+              </a:ext>
+            </a:extLst>
+          </p:cNvPr>
+          <p:cNvPicPr>
+            <a:picLocks noChangeAspect="1"/>
+          </p:cNvPicPr>
+          <p:nvPr/>
+        </p:nvPicPr>
+        <p:blipFill>
+          <a:blip r:embed="rId2"/>
+          <a:stretch>
+            <a:fillRect/>
+          </a:stretch>
+        </p:blipFill>
+        <p:spPr>
+          <a:xfrm>
+            <a:off x="5438200" y="2709112"/>
+            <a:ext cx="527323" cy="494424"/>
+          </a:xfrm>
+          <a:prstGeom prst="rect">
+            <a:avLst/>
+          </a:prstGeom>
+        </p:spPr>
+      </p:pic>
+      <p:cxnSp>
+        <p:nvCxnSpPr>
+          <p:cNvPr id="8" name="직선 화살표 연결선 7">
+            <a:extLst>
+              <a:ext uri="{FF2B5EF4-FFF2-40B4-BE49-F238E27FC236}">
+                <a16:creationId xmlns:a16="http://schemas.microsoft.com/office/drawing/2014/main" id="{27F54776-332D-524E-AFD8-46E396986988}"/>
+              </a:ext>
+            </a:extLst>
+          </p:cNvPr>
+          <p:cNvCxnSpPr/>
+          <p:nvPr/>
+        </p:nvCxnSpPr>
+        <p:spPr>
+          <a:xfrm>
+            <a:off x="4687614" y="3429000"/>
+            <a:ext cx="1975945" cy="0"/>
+          </a:xfrm>
+          <a:prstGeom prst="straightConnector1">
+            <a:avLst/>
+          </a:prstGeom>
+          <a:ln w="57150">
+            <a:solidFill>
+              <a:schemeClr val="tx1">
+                <a:lumMod val="65000"/>
+                <a:lumOff val="35000"/>
+              </a:schemeClr>
+            </a:solidFill>
+            <a:headEnd type="triangle"/>
+            <a:tailEnd type="triangle"/>
+          </a:ln>
+        </p:spPr>
+        <p:style>
+          <a:lnRef idx="1">
+            <a:schemeClr val="accent1"/>
+          </a:lnRef>
+          <a:fillRef idx="0">
+            <a:schemeClr val="accent1"/>
+          </a:fillRef>
+          <a:effectRef idx="0">
+            <a:schemeClr val="accent1"/>
+          </a:effectRef>
+          <a:fontRef idx="minor">
+            <a:schemeClr val="tx1"/>
+          </a:fontRef>
+        </p:style>
+      </p:cxnSp>
+    </p:spTree>
+    <p:extLst>
+      <p:ext uri="{BB962C8B-B14F-4D97-AF65-F5344CB8AC3E}">
+        <p14:creationId xmlns:p14="http://schemas.microsoft.com/office/powerpoint/2010/main" val="29603034"/>
+      </p:ext>
+    </p:extLst>
+  </p:cSld>
+  <p:clrMapOvr>
+    <a:masterClrMapping/>
+  </p:clrMapOvr>
+</p:sld>
+</file>
+
 <file path=ppt/theme/theme1.xml><?xml version="1.0" encoding="utf-8"?>
 <a:theme xmlns:a="http://schemas.openxmlformats.org/drawingml/2006/main" name="Office 테마">
   <a:themeElements>

--- a/assets/image.pptx
+++ b/assets/image.pptx
@@ -8,6 +8,8 @@
     <p:sldId id="256" r:id="rId2"/>
     <p:sldId id="257" r:id="rId3"/>
     <p:sldId id="258" r:id="rId4"/>
+    <p:sldId id="259" r:id="rId5"/>
+    <p:sldId id="260" r:id="rId6"/>
   </p:sldIdLst>
   <p:sldSz cx="12192000" cy="6858000"/>
   <p:notesSz cx="6858000" cy="9144000"/>
@@ -263,7 +265,7 @@
           <a:p>
             <a:fld id="{12F90BDD-BBAA-CC4B-98AD-B6E639C11867}" type="datetimeFigureOut">
               <a:rPr kumimoji="1" lang="ko-Kore-KR" altLang="en-US" smtClean="0"/>
-              <a:t>2021. 4. 29.</a:t>
+              <a:t>2021. 5. 29.</a:t>
             </a:fld>
             <a:endParaRPr kumimoji="1" lang="ko-Kore-KR" altLang="en-US"/>
           </a:p>
@@ -463,7 +465,7 @@
           <a:p>
             <a:fld id="{12F90BDD-BBAA-CC4B-98AD-B6E639C11867}" type="datetimeFigureOut">
               <a:rPr kumimoji="1" lang="ko-Kore-KR" altLang="en-US" smtClean="0"/>
-              <a:t>2021. 4. 29.</a:t>
+              <a:t>2021. 5. 29.</a:t>
             </a:fld>
             <a:endParaRPr kumimoji="1" lang="ko-Kore-KR" altLang="en-US"/>
           </a:p>
@@ -673,7 +675,7 @@
           <a:p>
             <a:fld id="{12F90BDD-BBAA-CC4B-98AD-B6E639C11867}" type="datetimeFigureOut">
               <a:rPr kumimoji="1" lang="ko-Kore-KR" altLang="en-US" smtClean="0"/>
-              <a:t>2021. 4. 29.</a:t>
+              <a:t>2021. 5. 29.</a:t>
             </a:fld>
             <a:endParaRPr kumimoji="1" lang="ko-Kore-KR" altLang="en-US"/>
           </a:p>
@@ -873,7 +875,7 @@
           <a:p>
             <a:fld id="{12F90BDD-BBAA-CC4B-98AD-B6E639C11867}" type="datetimeFigureOut">
               <a:rPr kumimoji="1" lang="ko-Kore-KR" altLang="en-US" smtClean="0"/>
-              <a:t>2021. 4. 29.</a:t>
+              <a:t>2021. 5. 29.</a:t>
             </a:fld>
             <a:endParaRPr kumimoji="1" lang="ko-Kore-KR" altLang="en-US"/>
           </a:p>
@@ -1149,7 +1151,7 @@
           <a:p>
             <a:fld id="{12F90BDD-BBAA-CC4B-98AD-B6E639C11867}" type="datetimeFigureOut">
               <a:rPr kumimoji="1" lang="ko-Kore-KR" altLang="en-US" smtClean="0"/>
-              <a:t>2021. 4. 29.</a:t>
+              <a:t>2021. 5. 29.</a:t>
             </a:fld>
             <a:endParaRPr kumimoji="1" lang="ko-Kore-KR" altLang="en-US"/>
           </a:p>
@@ -1417,7 +1419,7 @@
           <a:p>
             <a:fld id="{12F90BDD-BBAA-CC4B-98AD-B6E639C11867}" type="datetimeFigureOut">
               <a:rPr kumimoji="1" lang="ko-Kore-KR" altLang="en-US" smtClean="0"/>
-              <a:t>2021. 4. 29.</a:t>
+              <a:t>2021. 5. 29.</a:t>
             </a:fld>
             <a:endParaRPr kumimoji="1" lang="ko-Kore-KR" altLang="en-US"/>
           </a:p>
@@ -1832,7 +1834,7 @@
           <a:p>
             <a:fld id="{12F90BDD-BBAA-CC4B-98AD-B6E639C11867}" type="datetimeFigureOut">
               <a:rPr kumimoji="1" lang="ko-Kore-KR" altLang="en-US" smtClean="0"/>
-              <a:t>2021. 4. 29.</a:t>
+              <a:t>2021. 5. 29.</a:t>
             </a:fld>
             <a:endParaRPr kumimoji="1" lang="ko-Kore-KR" altLang="en-US"/>
           </a:p>
@@ -1974,7 +1976,7 @@
           <a:p>
             <a:fld id="{12F90BDD-BBAA-CC4B-98AD-B6E639C11867}" type="datetimeFigureOut">
               <a:rPr kumimoji="1" lang="ko-Kore-KR" altLang="en-US" smtClean="0"/>
-              <a:t>2021. 4. 29.</a:t>
+              <a:t>2021. 5. 29.</a:t>
             </a:fld>
             <a:endParaRPr kumimoji="1" lang="ko-Kore-KR" altLang="en-US"/>
           </a:p>
@@ -2087,7 +2089,7 @@
           <a:p>
             <a:fld id="{12F90BDD-BBAA-CC4B-98AD-B6E639C11867}" type="datetimeFigureOut">
               <a:rPr kumimoji="1" lang="ko-Kore-KR" altLang="en-US" smtClean="0"/>
-              <a:t>2021. 4. 29.</a:t>
+              <a:t>2021. 5. 29.</a:t>
             </a:fld>
             <a:endParaRPr kumimoji="1" lang="ko-Kore-KR" altLang="en-US"/>
           </a:p>
@@ -2400,7 +2402,7 @@
           <a:p>
             <a:fld id="{12F90BDD-BBAA-CC4B-98AD-B6E639C11867}" type="datetimeFigureOut">
               <a:rPr kumimoji="1" lang="ko-Kore-KR" altLang="en-US" smtClean="0"/>
-              <a:t>2021. 4. 29.</a:t>
+              <a:t>2021. 5. 29.</a:t>
             </a:fld>
             <a:endParaRPr kumimoji="1" lang="ko-Kore-KR" altLang="en-US"/>
           </a:p>
@@ -2689,7 +2691,7 @@
           <a:p>
             <a:fld id="{12F90BDD-BBAA-CC4B-98AD-B6E639C11867}" type="datetimeFigureOut">
               <a:rPr kumimoji="1" lang="ko-Kore-KR" altLang="en-US" smtClean="0"/>
-              <a:t>2021. 4. 29.</a:t>
+              <a:t>2021. 5. 29.</a:t>
             </a:fld>
             <a:endParaRPr kumimoji="1" lang="ko-Kore-KR" altLang="en-US"/>
           </a:p>
@@ -2932,7 +2934,7 @@
           <a:p>
             <a:fld id="{12F90BDD-BBAA-CC4B-98AD-B6E639C11867}" type="datetimeFigureOut">
               <a:rPr kumimoji="1" lang="ko-Kore-KR" altLang="en-US" smtClean="0"/>
-              <a:t>2021. 4. 29.</a:t>
+              <a:t>2021. 5. 29.</a:t>
             </a:fld>
             <a:endParaRPr kumimoji="1" lang="ko-Kore-KR" altLang="en-US"/>
           </a:p>
@@ -4043,6 +4045,133 @@
 </p:sld>
 </file>
 
+<file path=ppt/slides/slide4.xml><?xml version="1.0" encoding="utf-8"?>
+<p:sld xmlns:a="http://schemas.openxmlformats.org/drawingml/2006/main" xmlns:r="http://schemas.openxmlformats.org/officeDocument/2006/relationships" xmlns:p="http://schemas.openxmlformats.org/presentationml/2006/main">
+  <p:cSld>
+    <p:spTree>
+      <p:nvGrpSpPr>
+        <p:cNvPr id="1" name=""/>
+        <p:cNvGrpSpPr/>
+        <p:nvPr/>
+      </p:nvGrpSpPr>
+      <p:grpSpPr>
+        <a:xfrm>
+          <a:off x="0" y="0"/>
+          <a:ext cx="0" cy="0"/>
+          <a:chOff x="0" y="0"/>
+          <a:chExt cx="0" cy="0"/>
+        </a:xfrm>
+      </p:grpSpPr>
+      <p:pic>
+        <p:nvPicPr>
+          <p:cNvPr id="4" name="그림 3">
+            <a:extLst>
+              <a:ext uri="{FF2B5EF4-FFF2-40B4-BE49-F238E27FC236}">
+                <a16:creationId xmlns:a16="http://schemas.microsoft.com/office/drawing/2014/main" id="{114BD98C-57E2-D34A-B011-D90D9304C2D8}"/>
+              </a:ext>
+            </a:extLst>
+          </p:cNvPr>
+          <p:cNvPicPr>
+            <a:picLocks noChangeAspect="1"/>
+          </p:cNvPicPr>
+          <p:nvPr/>
+        </p:nvPicPr>
+        <p:blipFill>
+          <a:blip r:embed="rId2"/>
+          <a:stretch>
+            <a:fillRect/>
+          </a:stretch>
+        </p:blipFill>
+        <p:spPr>
+          <a:xfrm>
+            <a:off x="4622800" y="1898650"/>
+            <a:ext cx="2946400" cy="3060700"/>
+          </a:xfrm>
+          <a:prstGeom prst="rect">
+            <a:avLst/>
+          </a:prstGeom>
+          <a:ln>
+            <a:solidFill>
+              <a:schemeClr val="bg2">
+                <a:lumMod val="90000"/>
+              </a:schemeClr>
+            </a:solidFill>
+          </a:ln>
+        </p:spPr>
+      </p:pic>
+    </p:spTree>
+    <p:extLst>
+      <p:ext uri="{BB962C8B-B14F-4D97-AF65-F5344CB8AC3E}">
+        <p14:creationId xmlns:p14="http://schemas.microsoft.com/office/powerpoint/2010/main" val="589508588"/>
+      </p:ext>
+    </p:extLst>
+  </p:cSld>
+  <p:clrMapOvr>
+    <a:masterClrMapping/>
+  </p:clrMapOvr>
+</p:sld>
+</file>
+
+<file path=ppt/slides/slide5.xml><?xml version="1.0" encoding="utf-8"?>
+<p:sld xmlns:a="http://schemas.openxmlformats.org/drawingml/2006/main" xmlns:r="http://schemas.openxmlformats.org/officeDocument/2006/relationships" xmlns:p="http://schemas.openxmlformats.org/presentationml/2006/main">
+  <p:cSld>
+    <p:spTree>
+      <p:nvGrpSpPr>
+        <p:cNvPr id="1" name=""/>
+        <p:cNvGrpSpPr/>
+        <p:nvPr/>
+      </p:nvGrpSpPr>
+      <p:grpSpPr>
+        <a:xfrm>
+          <a:off x="0" y="0"/>
+          <a:ext cx="0" cy="0"/>
+          <a:chOff x="0" y="0"/>
+          <a:chExt cx="0" cy="0"/>
+        </a:xfrm>
+      </p:grpSpPr>
+      <p:pic>
+        <p:nvPicPr>
+          <p:cNvPr id="4" name="그림 3">
+            <a:extLst>
+              <a:ext uri="{FF2B5EF4-FFF2-40B4-BE49-F238E27FC236}">
+                <a16:creationId xmlns:a16="http://schemas.microsoft.com/office/drawing/2014/main" id="{C12C889E-7A14-0B46-B4E5-E3BD9E801392}"/>
+              </a:ext>
+            </a:extLst>
+          </p:cNvPr>
+          <p:cNvPicPr>
+            <a:picLocks noChangeAspect="1"/>
+          </p:cNvPicPr>
+          <p:nvPr/>
+        </p:nvPicPr>
+        <p:blipFill>
+          <a:blip r:embed="rId2"/>
+          <a:stretch>
+            <a:fillRect/>
+          </a:stretch>
+        </p:blipFill>
+        <p:spPr>
+          <a:xfrm>
+            <a:off x="451945" y="981611"/>
+            <a:ext cx="11288110" cy="4894777"/>
+          </a:xfrm>
+          <a:prstGeom prst="rect">
+            <a:avLst/>
+          </a:prstGeom>
+        </p:spPr>
+      </p:pic>
+    </p:spTree>
+    <p:extLst>
+      <p:ext uri="{BB962C8B-B14F-4D97-AF65-F5344CB8AC3E}">
+        <p14:creationId xmlns:p14="http://schemas.microsoft.com/office/powerpoint/2010/main" val="2198139871"/>
+      </p:ext>
+    </p:extLst>
+  </p:cSld>
+  <p:clrMapOvr>
+    <a:masterClrMapping/>
+  </p:clrMapOvr>
+</p:sld>
+</file>
+
 <file path=ppt/theme/theme1.xml><?xml version="1.0" encoding="utf-8"?>
 <a:theme xmlns:a="http://schemas.openxmlformats.org/drawingml/2006/main" name="Office 테마">
   <a:themeElements>

--- a/assets/image.pptx
+++ b/assets/image.pptx
@@ -10,6 +10,8 @@
     <p:sldId id="258" r:id="rId4"/>
     <p:sldId id="259" r:id="rId5"/>
     <p:sldId id="260" r:id="rId6"/>
+    <p:sldId id="261" r:id="rId7"/>
+    <p:sldId id="262" r:id="rId8"/>
   </p:sldIdLst>
   <p:sldSz cx="12192000" cy="6858000"/>
   <p:notesSz cx="6858000" cy="9144000"/>
@@ -4172,6 +4174,719 @@
 </p:sld>
 </file>
 
+<file path=ppt/slides/slide6.xml><?xml version="1.0" encoding="utf-8"?>
+<p:sld xmlns:a="http://schemas.openxmlformats.org/drawingml/2006/main" xmlns:r="http://schemas.openxmlformats.org/officeDocument/2006/relationships" xmlns:p="http://schemas.openxmlformats.org/presentationml/2006/main">
+  <p:cSld>
+    <p:spTree>
+      <p:nvGrpSpPr>
+        <p:cNvPr id="1" name=""/>
+        <p:cNvGrpSpPr/>
+        <p:nvPr/>
+      </p:nvGrpSpPr>
+      <p:grpSpPr>
+        <a:xfrm>
+          <a:off x="0" y="0"/>
+          <a:ext cx="0" cy="0"/>
+          <a:chOff x="0" y="0"/>
+          <a:chExt cx="0" cy="0"/>
+        </a:xfrm>
+      </p:grpSpPr>
+      <p:pic>
+        <p:nvPicPr>
+          <p:cNvPr id="4" name="그림 3">
+            <a:extLst>
+              <a:ext uri="{FF2B5EF4-FFF2-40B4-BE49-F238E27FC236}">
+                <a16:creationId xmlns:a16="http://schemas.microsoft.com/office/drawing/2014/main" id="{CD2DECFD-DB05-254B-BBE8-BF01ECC86BAF}"/>
+              </a:ext>
+            </a:extLst>
+          </p:cNvPr>
+          <p:cNvPicPr>
+            <a:picLocks noChangeAspect="1"/>
+          </p:cNvPicPr>
+          <p:nvPr/>
+        </p:nvPicPr>
+        <p:blipFill>
+          <a:blip r:embed="rId2"/>
+          <a:stretch>
+            <a:fillRect/>
+          </a:stretch>
+        </p:blipFill>
+        <p:spPr>
+          <a:xfrm>
+            <a:off x="1377950" y="209550"/>
+            <a:ext cx="9436100" cy="6438900"/>
+          </a:xfrm>
+          <a:prstGeom prst="rect">
+            <a:avLst/>
+          </a:prstGeom>
+        </p:spPr>
+      </p:pic>
+      <p:sp>
+        <p:nvSpPr>
+          <p:cNvPr id="5" name="직사각형 4">
+            <a:extLst>
+              <a:ext uri="{FF2B5EF4-FFF2-40B4-BE49-F238E27FC236}">
+                <a16:creationId xmlns:a16="http://schemas.microsoft.com/office/drawing/2014/main" id="{CCC8F668-B86B-C449-8C9E-7B04E54A86E6}"/>
+              </a:ext>
+            </a:extLst>
+          </p:cNvPr>
+          <p:cNvSpPr/>
+          <p:nvPr/>
+        </p:nvSpPr>
+        <p:spPr>
+          <a:xfrm>
+            <a:off x="6653048" y="1324303"/>
+            <a:ext cx="493986" cy="1566042"/>
+          </a:xfrm>
+          <a:prstGeom prst="rect">
+            <a:avLst/>
+          </a:prstGeom>
+          <a:noFill/>
+          <a:ln w="57150">
+            <a:solidFill>
+              <a:srgbClr val="FF0000"/>
+            </a:solidFill>
+          </a:ln>
+        </p:spPr>
+        <p:style>
+          <a:lnRef idx="2">
+            <a:schemeClr val="accent1">
+              <a:shade val="50000"/>
+            </a:schemeClr>
+          </a:lnRef>
+          <a:fillRef idx="1">
+            <a:schemeClr val="accent1"/>
+          </a:fillRef>
+          <a:effectRef idx="0">
+            <a:schemeClr val="accent1"/>
+          </a:effectRef>
+          <a:fontRef idx="minor">
+            <a:schemeClr val="lt1"/>
+          </a:fontRef>
+        </p:style>
+        <p:txBody>
+          <a:bodyPr rtlCol="0" anchor="ctr"/>
+          <a:lstStyle/>
+          <a:p>
+            <a:pPr algn="ctr"/>
+            <a:endParaRPr kumimoji="1" lang="ko-Kore-KR" altLang="en-US"/>
+          </a:p>
+        </p:txBody>
+      </p:sp>
+      <p:sp>
+        <p:nvSpPr>
+          <p:cNvPr id="6" name="직사각형 5">
+            <a:extLst>
+              <a:ext uri="{FF2B5EF4-FFF2-40B4-BE49-F238E27FC236}">
+                <a16:creationId xmlns:a16="http://schemas.microsoft.com/office/drawing/2014/main" id="{2D3B88FA-8044-494D-8BA1-35476D6235DC}"/>
+              </a:ext>
+            </a:extLst>
+          </p:cNvPr>
+          <p:cNvSpPr/>
+          <p:nvPr/>
+        </p:nvSpPr>
+        <p:spPr>
+          <a:xfrm>
+            <a:off x="6668813" y="3222077"/>
+            <a:ext cx="1770994" cy="488075"/>
+          </a:xfrm>
+          <a:prstGeom prst="rect">
+            <a:avLst/>
+          </a:prstGeom>
+          <a:noFill/>
+          <a:ln w="57150">
+            <a:solidFill>
+              <a:srgbClr val="FF0000"/>
+            </a:solidFill>
+          </a:ln>
+        </p:spPr>
+        <p:style>
+          <a:lnRef idx="2">
+            <a:schemeClr val="accent1">
+              <a:shade val="50000"/>
+            </a:schemeClr>
+          </a:lnRef>
+          <a:fillRef idx="1">
+            <a:schemeClr val="accent1"/>
+          </a:fillRef>
+          <a:effectRef idx="0">
+            <a:schemeClr val="accent1"/>
+          </a:effectRef>
+          <a:fontRef idx="minor">
+            <a:schemeClr val="lt1"/>
+          </a:fontRef>
+        </p:style>
+        <p:txBody>
+          <a:bodyPr rtlCol="0" anchor="ctr"/>
+          <a:lstStyle/>
+          <a:p>
+            <a:pPr algn="ctr"/>
+            <a:endParaRPr kumimoji="1" lang="ko-Kore-KR" altLang="en-US"/>
+          </a:p>
+        </p:txBody>
+      </p:sp>
+      <p:sp>
+        <p:nvSpPr>
+          <p:cNvPr id="7" name="직사각형 6">
+            <a:extLst>
+              <a:ext uri="{FF2B5EF4-FFF2-40B4-BE49-F238E27FC236}">
+                <a16:creationId xmlns:a16="http://schemas.microsoft.com/office/drawing/2014/main" id="{9F6A3305-8716-5C48-898F-10CCD65EFA8C}"/>
+              </a:ext>
+            </a:extLst>
+          </p:cNvPr>
+          <p:cNvSpPr/>
+          <p:nvPr/>
+        </p:nvSpPr>
+        <p:spPr>
+          <a:xfrm>
+            <a:off x="8229599" y="4041884"/>
+            <a:ext cx="462456" cy="488075"/>
+          </a:xfrm>
+          <a:prstGeom prst="rect">
+            <a:avLst/>
+          </a:prstGeom>
+          <a:noFill/>
+          <a:ln w="57150">
+            <a:solidFill>
+              <a:srgbClr val="FF0000"/>
+            </a:solidFill>
+          </a:ln>
+        </p:spPr>
+        <p:style>
+          <a:lnRef idx="2">
+            <a:schemeClr val="accent1">
+              <a:shade val="50000"/>
+            </a:schemeClr>
+          </a:lnRef>
+          <a:fillRef idx="1">
+            <a:schemeClr val="accent1"/>
+          </a:fillRef>
+          <a:effectRef idx="0">
+            <a:schemeClr val="accent1"/>
+          </a:effectRef>
+          <a:fontRef idx="minor">
+            <a:schemeClr val="lt1"/>
+          </a:fontRef>
+        </p:style>
+        <p:txBody>
+          <a:bodyPr rtlCol="0" anchor="ctr"/>
+          <a:lstStyle/>
+          <a:p>
+            <a:pPr algn="ctr"/>
+            <a:endParaRPr kumimoji="1" lang="ko-Kore-KR" altLang="en-US"/>
+          </a:p>
+        </p:txBody>
+      </p:sp>
+    </p:spTree>
+    <p:extLst>
+      <p:ext uri="{BB962C8B-B14F-4D97-AF65-F5344CB8AC3E}">
+        <p14:creationId xmlns:p14="http://schemas.microsoft.com/office/powerpoint/2010/main" val="2222844295"/>
+      </p:ext>
+    </p:extLst>
+  </p:cSld>
+  <p:clrMapOvr>
+    <a:masterClrMapping/>
+  </p:clrMapOvr>
+</p:sld>
+</file>
+
+<file path=ppt/slides/slide7.xml><?xml version="1.0" encoding="utf-8"?>
+<p:sld xmlns:a="http://schemas.openxmlformats.org/drawingml/2006/main" xmlns:r="http://schemas.openxmlformats.org/officeDocument/2006/relationships" xmlns:p="http://schemas.openxmlformats.org/presentationml/2006/main">
+  <p:cSld>
+    <p:spTree>
+      <p:nvGrpSpPr>
+        <p:cNvPr id="1" name=""/>
+        <p:cNvGrpSpPr/>
+        <p:nvPr/>
+      </p:nvGrpSpPr>
+      <p:grpSpPr>
+        <a:xfrm>
+          <a:off x="0" y="0"/>
+          <a:ext cx="0" cy="0"/>
+          <a:chOff x="0" y="0"/>
+          <a:chExt cx="0" cy="0"/>
+        </a:xfrm>
+      </p:grpSpPr>
+      <p:pic>
+        <p:nvPicPr>
+          <p:cNvPr id="4" name="그림 3">
+            <a:extLst>
+              <a:ext uri="{FF2B5EF4-FFF2-40B4-BE49-F238E27FC236}">
+                <a16:creationId xmlns:a16="http://schemas.microsoft.com/office/drawing/2014/main" id="{2FC479B0-A61F-C04E-8C3F-E01057EDDD78}"/>
+              </a:ext>
+            </a:extLst>
+          </p:cNvPr>
+          <p:cNvPicPr>
+            <a:picLocks noChangeAspect="1"/>
+          </p:cNvPicPr>
+          <p:nvPr/>
+        </p:nvPicPr>
+        <p:blipFill>
+          <a:blip r:embed="rId2"/>
+          <a:stretch>
+            <a:fillRect/>
+          </a:stretch>
+        </p:blipFill>
+        <p:spPr>
+          <a:xfrm>
+            <a:off x="4720704" y="13136"/>
+            <a:ext cx="5104910" cy="6858000"/>
+          </a:xfrm>
+          <a:prstGeom prst="rect">
+            <a:avLst/>
+          </a:prstGeom>
+        </p:spPr>
+      </p:pic>
+      <p:cxnSp>
+        <p:nvCxnSpPr>
+          <p:cNvPr id="8" name="직선 연결선[R] 7">
+            <a:extLst>
+              <a:ext uri="{FF2B5EF4-FFF2-40B4-BE49-F238E27FC236}">
+                <a16:creationId xmlns:a16="http://schemas.microsoft.com/office/drawing/2014/main" id="{A2F66044-2C60-8049-9516-7F0034B85120}"/>
+              </a:ext>
+            </a:extLst>
+          </p:cNvPr>
+          <p:cNvCxnSpPr/>
+          <p:nvPr/>
+        </p:nvCxnSpPr>
+        <p:spPr>
+          <a:xfrm>
+            <a:off x="3647090" y="1061543"/>
+            <a:ext cx="5948855" cy="0"/>
+          </a:xfrm>
+          <a:prstGeom prst="line">
+            <a:avLst/>
+          </a:prstGeom>
+          <a:ln w="28575">
+            <a:solidFill>
+              <a:schemeClr val="bg2">
+                <a:lumMod val="75000"/>
+              </a:schemeClr>
+            </a:solidFill>
+            <a:prstDash val="dash"/>
+          </a:ln>
+        </p:spPr>
+        <p:style>
+          <a:lnRef idx="1">
+            <a:schemeClr val="accent1"/>
+          </a:lnRef>
+          <a:fillRef idx="0">
+            <a:schemeClr val="accent1"/>
+          </a:fillRef>
+          <a:effectRef idx="0">
+            <a:schemeClr val="accent1"/>
+          </a:effectRef>
+          <a:fontRef idx="minor">
+            <a:schemeClr val="tx1"/>
+          </a:fontRef>
+        </p:style>
+      </p:cxnSp>
+      <p:cxnSp>
+        <p:nvCxnSpPr>
+          <p:cNvPr id="10" name="직선 연결선[R] 9">
+            <a:extLst>
+              <a:ext uri="{FF2B5EF4-FFF2-40B4-BE49-F238E27FC236}">
+                <a16:creationId xmlns:a16="http://schemas.microsoft.com/office/drawing/2014/main" id="{BB6BCAD7-6E17-F940-A5AB-EEF9B3A306C0}"/>
+              </a:ext>
+            </a:extLst>
+          </p:cNvPr>
+          <p:cNvCxnSpPr/>
+          <p:nvPr/>
+        </p:nvCxnSpPr>
+        <p:spPr>
+          <a:xfrm>
+            <a:off x="3647090" y="3005957"/>
+            <a:ext cx="5948855" cy="0"/>
+          </a:xfrm>
+          <a:prstGeom prst="line">
+            <a:avLst/>
+          </a:prstGeom>
+          <a:ln w="28575">
+            <a:solidFill>
+              <a:schemeClr val="bg2">
+                <a:lumMod val="75000"/>
+              </a:schemeClr>
+            </a:solidFill>
+            <a:prstDash val="dash"/>
+          </a:ln>
+        </p:spPr>
+        <p:style>
+          <a:lnRef idx="1">
+            <a:schemeClr val="accent1"/>
+          </a:lnRef>
+          <a:fillRef idx="0">
+            <a:schemeClr val="accent1"/>
+          </a:fillRef>
+          <a:effectRef idx="0">
+            <a:schemeClr val="accent1"/>
+          </a:effectRef>
+          <a:fontRef idx="minor">
+            <a:schemeClr val="tx1"/>
+          </a:fontRef>
+        </p:style>
+      </p:cxnSp>
+      <p:cxnSp>
+        <p:nvCxnSpPr>
+          <p:cNvPr id="11" name="직선 연결선[R] 10">
+            <a:extLst>
+              <a:ext uri="{FF2B5EF4-FFF2-40B4-BE49-F238E27FC236}">
+                <a16:creationId xmlns:a16="http://schemas.microsoft.com/office/drawing/2014/main" id="{75993216-9B4C-F64F-8E65-100DD4C0414D}"/>
+              </a:ext>
+            </a:extLst>
+          </p:cNvPr>
+          <p:cNvCxnSpPr/>
+          <p:nvPr/>
+        </p:nvCxnSpPr>
+        <p:spPr>
+          <a:xfrm>
+            <a:off x="3647090" y="3909846"/>
+            <a:ext cx="5948855" cy="0"/>
+          </a:xfrm>
+          <a:prstGeom prst="line">
+            <a:avLst/>
+          </a:prstGeom>
+          <a:ln w="28575">
+            <a:solidFill>
+              <a:schemeClr val="bg2">
+                <a:lumMod val="75000"/>
+              </a:schemeClr>
+            </a:solidFill>
+            <a:prstDash val="dash"/>
+          </a:ln>
+        </p:spPr>
+        <p:style>
+          <a:lnRef idx="1">
+            <a:schemeClr val="accent1"/>
+          </a:lnRef>
+          <a:fillRef idx="0">
+            <a:schemeClr val="accent1"/>
+          </a:fillRef>
+          <a:effectRef idx="0">
+            <a:schemeClr val="accent1"/>
+          </a:effectRef>
+          <a:fontRef idx="minor">
+            <a:schemeClr val="tx1"/>
+          </a:fontRef>
+        </p:style>
+      </p:cxnSp>
+      <p:cxnSp>
+        <p:nvCxnSpPr>
+          <p:cNvPr id="12" name="직선 연결선[R] 11">
+            <a:extLst>
+              <a:ext uri="{FF2B5EF4-FFF2-40B4-BE49-F238E27FC236}">
+                <a16:creationId xmlns:a16="http://schemas.microsoft.com/office/drawing/2014/main" id="{6ECDB791-949F-684C-B706-8CC95E2A3521}"/>
+              </a:ext>
+            </a:extLst>
+          </p:cNvPr>
+          <p:cNvCxnSpPr/>
+          <p:nvPr/>
+        </p:nvCxnSpPr>
+        <p:spPr>
+          <a:xfrm>
+            <a:off x="3647090" y="4750673"/>
+            <a:ext cx="5948855" cy="0"/>
+          </a:xfrm>
+          <a:prstGeom prst="line">
+            <a:avLst/>
+          </a:prstGeom>
+          <a:ln w="28575">
+            <a:solidFill>
+              <a:schemeClr val="bg2">
+                <a:lumMod val="75000"/>
+              </a:schemeClr>
+            </a:solidFill>
+            <a:prstDash val="dash"/>
+          </a:ln>
+        </p:spPr>
+        <p:style>
+          <a:lnRef idx="1">
+            <a:schemeClr val="accent1"/>
+          </a:lnRef>
+          <a:fillRef idx="0">
+            <a:schemeClr val="accent1"/>
+          </a:fillRef>
+          <a:effectRef idx="0">
+            <a:schemeClr val="accent1"/>
+          </a:effectRef>
+          <a:fontRef idx="minor">
+            <a:schemeClr val="tx1"/>
+          </a:fontRef>
+        </p:style>
+      </p:cxnSp>
+      <p:sp>
+        <p:nvSpPr>
+          <p:cNvPr id="13" name="TextBox 12">
+            <a:extLst>
+              <a:ext uri="{FF2B5EF4-FFF2-40B4-BE49-F238E27FC236}">
+                <a16:creationId xmlns:a16="http://schemas.microsoft.com/office/drawing/2014/main" id="{11ABD16E-E152-2541-9974-5CDC1700F9F3}"/>
+              </a:ext>
+            </a:extLst>
+          </p:cNvPr>
+          <p:cNvSpPr txBox="1"/>
+          <p:nvPr/>
+        </p:nvSpPr>
+        <p:spPr>
+          <a:xfrm>
+            <a:off x="3647090" y="1697448"/>
+            <a:ext cx="1245021" cy="646331"/>
+          </a:xfrm>
+          <a:prstGeom prst="rect">
+            <a:avLst/>
+          </a:prstGeom>
+          <a:noFill/>
+        </p:spPr>
+        <p:txBody>
+          <a:bodyPr wrap="none" rtlCol="0">
+            <a:spAutoFit/>
+          </a:bodyPr>
+          <a:lstStyle/>
+          <a:p>
+            <a:pPr algn="ctr"/>
+            <a:r>
+              <a:rPr kumimoji="1" lang="en-US" altLang="ko-Kore-KR" dirty="0">
+                <a:solidFill>
+                  <a:schemeClr val="bg2">
+                    <a:lumMod val="50000"/>
+                  </a:schemeClr>
+                </a:solidFill>
+              </a:rPr>
+              <a:t>Application</a:t>
+            </a:r>
+          </a:p>
+          <a:p>
+            <a:pPr algn="ctr"/>
+            <a:r>
+              <a:rPr kumimoji="1" lang="en-US" altLang="ko-Kore-KR" dirty="0">
+                <a:solidFill>
+                  <a:schemeClr val="bg2">
+                    <a:lumMod val="50000"/>
+                  </a:schemeClr>
+                </a:solidFill>
+              </a:rPr>
+              <a:t>Layer</a:t>
+            </a:r>
+            <a:endParaRPr kumimoji="1" lang="ko-Kore-KR" altLang="en-US" dirty="0">
+              <a:solidFill>
+                <a:schemeClr val="bg2">
+                  <a:lumMod val="50000"/>
+                </a:schemeClr>
+              </a:solidFill>
+            </a:endParaRPr>
+          </a:p>
+        </p:txBody>
+      </p:sp>
+      <p:sp>
+        <p:nvSpPr>
+          <p:cNvPr id="15" name="TextBox 14">
+            <a:extLst>
+              <a:ext uri="{FF2B5EF4-FFF2-40B4-BE49-F238E27FC236}">
+                <a16:creationId xmlns:a16="http://schemas.microsoft.com/office/drawing/2014/main" id="{DA49E546-59F7-8047-84E8-02AA1A49551B}"/>
+              </a:ext>
+            </a:extLst>
+          </p:cNvPr>
+          <p:cNvSpPr txBox="1"/>
+          <p:nvPr/>
+        </p:nvSpPr>
+        <p:spPr>
+          <a:xfrm>
+            <a:off x="3729133" y="3118970"/>
+            <a:ext cx="1080937" cy="646331"/>
+          </a:xfrm>
+          <a:prstGeom prst="rect">
+            <a:avLst/>
+          </a:prstGeom>
+          <a:noFill/>
+        </p:spPr>
+        <p:txBody>
+          <a:bodyPr wrap="none" rtlCol="0">
+            <a:spAutoFit/>
+          </a:bodyPr>
+          <a:lstStyle/>
+          <a:p>
+            <a:pPr algn="ctr"/>
+            <a:r>
+              <a:rPr kumimoji="1" lang="en-US" altLang="ko-Kore-KR" dirty="0">
+                <a:solidFill>
+                  <a:schemeClr val="bg2">
+                    <a:lumMod val="50000"/>
+                  </a:schemeClr>
+                </a:solidFill>
+              </a:rPr>
+              <a:t>Transport</a:t>
+            </a:r>
+          </a:p>
+          <a:p>
+            <a:pPr algn="ctr"/>
+            <a:r>
+              <a:rPr kumimoji="1" lang="en-US" altLang="ko-Kore-KR" dirty="0">
+                <a:solidFill>
+                  <a:schemeClr val="bg2">
+                    <a:lumMod val="50000"/>
+                  </a:schemeClr>
+                </a:solidFill>
+              </a:rPr>
+              <a:t>Layer</a:t>
+            </a:r>
+            <a:endParaRPr kumimoji="1" lang="ko-Kore-KR" altLang="en-US" dirty="0">
+              <a:solidFill>
+                <a:schemeClr val="bg2">
+                  <a:lumMod val="50000"/>
+                </a:schemeClr>
+              </a:solidFill>
+            </a:endParaRPr>
+          </a:p>
+        </p:txBody>
+      </p:sp>
+      <p:sp>
+        <p:nvSpPr>
+          <p:cNvPr id="16" name="TextBox 15">
+            <a:extLst>
+              <a:ext uri="{FF2B5EF4-FFF2-40B4-BE49-F238E27FC236}">
+                <a16:creationId xmlns:a16="http://schemas.microsoft.com/office/drawing/2014/main" id="{AEF5DA07-F0D8-6A47-A4B7-2D8D606BC77B}"/>
+              </a:ext>
+            </a:extLst>
+          </p:cNvPr>
+          <p:cNvSpPr txBox="1"/>
+          <p:nvPr/>
+        </p:nvSpPr>
+        <p:spPr>
+          <a:xfrm>
+            <a:off x="3772573" y="4007094"/>
+            <a:ext cx="994055" cy="646331"/>
+          </a:xfrm>
+          <a:prstGeom prst="rect">
+            <a:avLst/>
+          </a:prstGeom>
+          <a:noFill/>
+        </p:spPr>
+        <p:txBody>
+          <a:bodyPr wrap="none" rtlCol="0">
+            <a:spAutoFit/>
+          </a:bodyPr>
+          <a:lstStyle/>
+          <a:p>
+            <a:pPr algn="ctr"/>
+            <a:r>
+              <a:rPr kumimoji="1" lang="en-US" altLang="ko-Kore-KR" dirty="0">
+                <a:solidFill>
+                  <a:schemeClr val="bg2">
+                    <a:lumMod val="50000"/>
+                  </a:schemeClr>
+                </a:solidFill>
+              </a:rPr>
+              <a:t>Network</a:t>
+            </a:r>
+          </a:p>
+          <a:p>
+            <a:pPr algn="ctr"/>
+            <a:r>
+              <a:rPr kumimoji="1" lang="en-US" altLang="ko-Kore-KR" dirty="0">
+                <a:solidFill>
+                  <a:schemeClr val="bg2">
+                    <a:lumMod val="50000"/>
+                  </a:schemeClr>
+                </a:solidFill>
+              </a:rPr>
+              <a:t>Layer</a:t>
+            </a:r>
+            <a:endParaRPr kumimoji="1" lang="ko-Kore-KR" altLang="en-US" dirty="0">
+              <a:solidFill>
+                <a:schemeClr val="bg2">
+                  <a:lumMod val="50000"/>
+                </a:schemeClr>
+              </a:solidFill>
+            </a:endParaRPr>
+          </a:p>
+        </p:txBody>
+      </p:sp>
+      <p:sp>
+        <p:nvSpPr>
+          <p:cNvPr id="17" name="TextBox 16">
+            <a:extLst>
+              <a:ext uri="{FF2B5EF4-FFF2-40B4-BE49-F238E27FC236}">
+                <a16:creationId xmlns:a16="http://schemas.microsoft.com/office/drawing/2014/main" id="{DAED09B0-D909-3743-A1CC-B059676B31D1}"/>
+              </a:ext>
+            </a:extLst>
+          </p:cNvPr>
+          <p:cNvSpPr txBox="1"/>
+          <p:nvPr/>
+        </p:nvSpPr>
+        <p:spPr>
+          <a:xfrm>
+            <a:off x="3744522" y="5164573"/>
+            <a:ext cx="1050159" cy="923330"/>
+          </a:xfrm>
+          <a:prstGeom prst="rect">
+            <a:avLst/>
+          </a:prstGeom>
+          <a:noFill/>
+        </p:spPr>
+        <p:txBody>
+          <a:bodyPr wrap="none" rtlCol="0">
+            <a:spAutoFit/>
+          </a:bodyPr>
+          <a:lstStyle/>
+          <a:p>
+            <a:pPr algn="ctr"/>
+            <a:r>
+              <a:rPr kumimoji="1" lang="en-US" altLang="ko-Kore-KR" dirty="0">
+                <a:solidFill>
+                  <a:schemeClr val="bg2">
+                    <a:lumMod val="50000"/>
+                  </a:schemeClr>
+                </a:solidFill>
+              </a:rPr>
+              <a:t>Data Link</a:t>
+            </a:r>
+          </a:p>
+          <a:p>
+            <a:pPr algn="ctr"/>
+            <a:r>
+              <a:rPr kumimoji="1" lang="en-US" altLang="ko-Kore-KR" dirty="0">
+                <a:solidFill>
+                  <a:schemeClr val="bg2">
+                    <a:lumMod val="50000"/>
+                  </a:schemeClr>
+                </a:solidFill>
+              </a:rPr>
+              <a:t>Physical</a:t>
+            </a:r>
+          </a:p>
+          <a:p>
+            <a:pPr algn="ctr"/>
+            <a:r>
+              <a:rPr kumimoji="1" lang="en-US" altLang="ko-Kore-KR" dirty="0">
+                <a:solidFill>
+                  <a:schemeClr val="bg2">
+                    <a:lumMod val="50000"/>
+                  </a:schemeClr>
+                </a:solidFill>
+              </a:rPr>
+              <a:t>Layer</a:t>
+            </a:r>
+            <a:endParaRPr kumimoji="1" lang="ko-Kore-KR" altLang="en-US" dirty="0">
+              <a:solidFill>
+                <a:schemeClr val="bg2">
+                  <a:lumMod val="50000"/>
+                </a:schemeClr>
+              </a:solidFill>
+            </a:endParaRPr>
+          </a:p>
+        </p:txBody>
+      </p:sp>
+    </p:spTree>
+    <p:extLst>
+      <p:ext uri="{BB962C8B-B14F-4D97-AF65-F5344CB8AC3E}">
+        <p14:creationId xmlns:p14="http://schemas.microsoft.com/office/powerpoint/2010/main" val="3739981565"/>
+      </p:ext>
+    </p:extLst>
+  </p:cSld>
+  <p:clrMapOvr>
+    <a:masterClrMapping/>
+  </p:clrMapOvr>
+</p:sld>
+</file>
+
 <file path=ppt/theme/theme1.xml><?xml version="1.0" encoding="utf-8"?>
 <a:theme xmlns:a="http://schemas.openxmlformats.org/drawingml/2006/main" name="Office 테마">
   <a:themeElements>

--- a/assets/image.pptx
+++ b/assets/image.pptx
@@ -12,6 +12,8 @@
     <p:sldId id="260" r:id="rId6"/>
     <p:sldId id="261" r:id="rId7"/>
     <p:sldId id="262" r:id="rId8"/>
+    <p:sldId id="263" r:id="rId9"/>
+    <p:sldId id="264" r:id="rId10"/>
   </p:sldIdLst>
   <p:sldSz cx="12192000" cy="6858000"/>
   <p:notesSz cx="6858000" cy="9144000"/>
@@ -267,7 +269,7 @@
           <a:p>
             <a:fld id="{12F90BDD-BBAA-CC4B-98AD-B6E639C11867}" type="datetimeFigureOut">
               <a:rPr kumimoji="1" lang="ko-Kore-KR" altLang="en-US" smtClean="0"/>
-              <a:t>2021. 5. 29.</a:t>
+              <a:t>2021. 6. 2.</a:t>
             </a:fld>
             <a:endParaRPr kumimoji="1" lang="ko-Kore-KR" altLang="en-US"/>
           </a:p>
@@ -467,7 +469,7 @@
           <a:p>
             <a:fld id="{12F90BDD-BBAA-CC4B-98AD-B6E639C11867}" type="datetimeFigureOut">
               <a:rPr kumimoji="1" lang="ko-Kore-KR" altLang="en-US" smtClean="0"/>
-              <a:t>2021. 5. 29.</a:t>
+              <a:t>2021. 6. 2.</a:t>
             </a:fld>
             <a:endParaRPr kumimoji="1" lang="ko-Kore-KR" altLang="en-US"/>
           </a:p>
@@ -677,7 +679,7 @@
           <a:p>
             <a:fld id="{12F90BDD-BBAA-CC4B-98AD-B6E639C11867}" type="datetimeFigureOut">
               <a:rPr kumimoji="1" lang="ko-Kore-KR" altLang="en-US" smtClean="0"/>
-              <a:t>2021. 5. 29.</a:t>
+              <a:t>2021. 6. 2.</a:t>
             </a:fld>
             <a:endParaRPr kumimoji="1" lang="ko-Kore-KR" altLang="en-US"/>
           </a:p>
@@ -877,7 +879,7 @@
           <a:p>
             <a:fld id="{12F90BDD-BBAA-CC4B-98AD-B6E639C11867}" type="datetimeFigureOut">
               <a:rPr kumimoji="1" lang="ko-Kore-KR" altLang="en-US" smtClean="0"/>
-              <a:t>2021. 5. 29.</a:t>
+              <a:t>2021. 6. 2.</a:t>
             </a:fld>
             <a:endParaRPr kumimoji="1" lang="ko-Kore-KR" altLang="en-US"/>
           </a:p>
@@ -1153,7 +1155,7 @@
           <a:p>
             <a:fld id="{12F90BDD-BBAA-CC4B-98AD-B6E639C11867}" type="datetimeFigureOut">
               <a:rPr kumimoji="1" lang="ko-Kore-KR" altLang="en-US" smtClean="0"/>
-              <a:t>2021. 5. 29.</a:t>
+              <a:t>2021. 6. 2.</a:t>
             </a:fld>
             <a:endParaRPr kumimoji="1" lang="ko-Kore-KR" altLang="en-US"/>
           </a:p>
@@ -1421,7 +1423,7 @@
           <a:p>
             <a:fld id="{12F90BDD-BBAA-CC4B-98AD-B6E639C11867}" type="datetimeFigureOut">
               <a:rPr kumimoji="1" lang="ko-Kore-KR" altLang="en-US" smtClean="0"/>
-              <a:t>2021. 5. 29.</a:t>
+              <a:t>2021. 6. 2.</a:t>
             </a:fld>
             <a:endParaRPr kumimoji="1" lang="ko-Kore-KR" altLang="en-US"/>
           </a:p>
@@ -1836,7 +1838,7 @@
           <a:p>
             <a:fld id="{12F90BDD-BBAA-CC4B-98AD-B6E639C11867}" type="datetimeFigureOut">
               <a:rPr kumimoji="1" lang="ko-Kore-KR" altLang="en-US" smtClean="0"/>
-              <a:t>2021. 5. 29.</a:t>
+              <a:t>2021. 6. 2.</a:t>
             </a:fld>
             <a:endParaRPr kumimoji="1" lang="ko-Kore-KR" altLang="en-US"/>
           </a:p>
@@ -1978,7 +1980,7 @@
           <a:p>
             <a:fld id="{12F90BDD-BBAA-CC4B-98AD-B6E639C11867}" type="datetimeFigureOut">
               <a:rPr kumimoji="1" lang="ko-Kore-KR" altLang="en-US" smtClean="0"/>
-              <a:t>2021. 5. 29.</a:t>
+              <a:t>2021. 6. 2.</a:t>
             </a:fld>
             <a:endParaRPr kumimoji="1" lang="ko-Kore-KR" altLang="en-US"/>
           </a:p>
@@ -2091,7 +2093,7 @@
           <a:p>
             <a:fld id="{12F90BDD-BBAA-CC4B-98AD-B6E639C11867}" type="datetimeFigureOut">
               <a:rPr kumimoji="1" lang="ko-Kore-KR" altLang="en-US" smtClean="0"/>
-              <a:t>2021. 5. 29.</a:t>
+              <a:t>2021. 6. 2.</a:t>
             </a:fld>
             <a:endParaRPr kumimoji="1" lang="ko-Kore-KR" altLang="en-US"/>
           </a:p>
@@ -2404,7 +2406,7 @@
           <a:p>
             <a:fld id="{12F90BDD-BBAA-CC4B-98AD-B6E639C11867}" type="datetimeFigureOut">
               <a:rPr kumimoji="1" lang="ko-Kore-KR" altLang="en-US" smtClean="0"/>
-              <a:t>2021. 5. 29.</a:t>
+              <a:t>2021. 6. 2.</a:t>
             </a:fld>
             <a:endParaRPr kumimoji="1" lang="ko-Kore-KR" altLang="en-US"/>
           </a:p>
@@ -2693,7 +2695,7 @@
           <a:p>
             <a:fld id="{12F90BDD-BBAA-CC4B-98AD-B6E639C11867}" type="datetimeFigureOut">
               <a:rPr kumimoji="1" lang="ko-Kore-KR" altLang="en-US" smtClean="0"/>
-              <a:t>2021. 5. 29.</a:t>
+              <a:t>2021. 6. 2.</a:t>
             </a:fld>
             <a:endParaRPr kumimoji="1" lang="ko-Kore-KR" altLang="en-US"/>
           </a:p>
@@ -2936,7 +2938,7 @@
           <a:p>
             <a:fld id="{12F90BDD-BBAA-CC4B-98AD-B6E639C11867}" type="datetimeFigureOut">
               <a:rPr kumimoji="1" lang="ko-Kore-KR" altLang="en-US" smtClean="0"/>
-              <a:t>2021. 5. 29.</a:t>
+              <a:t>2021. 6. 2.</a:t>
             </a:fld>
             <a:endParaRPr kumimoji="1" lang="ko-Kore-KR" altLang="en-US"/>
           </a:p>
@@ -4887,6 +4889,665 @@
 </p:sld>
 </file>
 
+<file path=ppt/slides/slide8.xml><?xml version="1.0" encoding="utf-8"?>
+<p:sld xmlns:a="http://schemas.openxmlformats.org/drawingml/2006/main" xmlns:r="http://schemas.openxmlformats.org/officeDocument/2006/relationships" xmlns:p="http://schemas.openxmlformats.org/presentationml/2006/main">
+  <p:cSld>
+    <p:spTree>
+      <p:nvGrpSpPr>
+        <p:cNvPr id="1" name=""/>
+        <p:cNvGrpSpPr/>
+        <p:nvPr/>
+      </p:nvGrpSpPr>
+      <p:grpSpPr>
+        <a:xfrm>
+          <a:off x="0" y="0"/>
+          <a:ext cx="0" cy="0"/>
+          <a:chOff x="0" y="0"/>
+          <a:chExt cx="0" cy="0"/>
+        </a:xfrm>
+      </p:grpSpPr>
+      <p:sp>
+        <p:nvSpPr>
+          <p:cNvPr id="11" name="직사각형 10">
+            <a:extLst>
+              <a:ext uri="{FF2B5EF4-FFF2-40B4-BE49-F238E27FC236}">
+                <a16:creationId xmlns:a16="http://schemas.microsoft.com/office/drawing/2014/main" id="{59E7FE7F-9238-9F42-92E2-54AB085E81B7}"/>
+              </a:ext>
+            </a:extLst>
+          </p:cNvPr>
+          <p:cNvSpPr/>
+          <p:nvPr/>
+        </p:nvSpPr>
+        <p:spPr>
+          <a:xfrm>
+            <a:off x="2312276" y="1214680"/>
+            <a:ext cx="6926317" cy="3746203"/>
+          </a:xfrm>
+          <a:prstGeom prst="rect">
+            <a:avLst/>
+          </a:prstGeom>
+          <a:noFill/>
+        </p:spPr>
+        <p:style>
+          <a:lnRef idx="2">
+            <a:schemeClr val="accent1">
+              <a:shade val="50000"/>
+            </a:schemeClr>
+          </a:lnRef>
+          <a:fillRef idx="1">
+            <a:schemeClr val="accent1"/>
+          </a:fillRef>
+          <a:effectRef idx="0">
+            <a:schemeClr val="accent1"/>
+          </a:effectRef>
+          <a:fontRef idx="minor">
+            <a:schemeClr val="lt1"/>
+          </a:fontRef>
+        </p:style>
+        <p:txBody>
+          <a:bodyPr rtlCol="0" anchor="ctr"/>
+          <a:lstStyle/>
+          <a:p>
+            <a:pPr algn="ctr"/>
+            <a:endParaRPr kumimoji="1" lang="ko-Kore-KR" altLang="en-US"/>
+          </a:p>
+        </p:txBody>
+      </p:sp>
+      <p:sp>
+        <p:nvSpPr>
+          <p:cNvPr id="12" name="직사각형 11">
+            <a:extLst>
+              <a:ext uri="{FF2B5EF4-FFF2-40B4-BE49-F238E27FC236}">
+                <a16:creationId xmlns:a16="http://schemas.microsoft.com/office/drawing/2014/main" id="{24A45483-6B3B-4943-819B-FD2FD94F39F1}"/>
+              </a:ext>
+            </a:extLst>
+          </p:cNvPr>
+          <p:cNvSpPr/>
+          <p:nvPr/>
+        </p:nvSpPr>
+        <p:spPr>
+          <a:xfrm>
+            <a:off x="2832538" y="1802526"/>
+            <a:ext cx="2632841" cy="2706414"/>
+          </a:xfrm>
+          <a:prstGeom prst="rect">
+            <a:avLst/>
+          </a:prstGeom>
+          <a:noFill/>
+        </p:spPr>
+        <p:style>
+          <a:lnRef idx="2">
+            <a:schemeClr val="accent1">
+              <a:shade val="50000"/>
+            </a:schemeClr>
+          </a:lnRef>
+          <a:fillRef idx="1">
+            <a:schemeClr val="accent1"/>
+          </a:fillRef>
+          <a:effectRef idx="0">
+            <a:schemeClr val="accent1"/>
+          </a:effectRef>
+          <a:fontRef idx="minor">
+            <a:schemeClr val="lt1"/>
+          </a:fontRef>
+        </p:style>
+        <p:txBody>
+          <a:bodyPr rtlCol="0" anchor="ctr"/>
+          <a:lstStyle/>
+          <a:p>
+            <a:pPr algn="ctr"/>
+            <a:endParaRPr kumimoji="1" lang="ko-Kore-KR" altLang="en-US"/>
+          </a:p>
+        </p:txBody>
+      </p:sp>
+      <p:sp>
+        <p:nvSpPr>
+          <p:cNvPr id="13" name="직사각형 12">
+            <a:extLst>
+              <a:ext uri="{FF2B5EF4-FFF2-40B4-BE49-F238E27FC236}">
+                <a16:creationId xmlns:a16="http://schemas.microsoft.com/office/drawing/2014/main" id="{D10EDDAA-E6CF-4C49-A726-A38A7C10AA3B}"/>
+              </a:ext>
+            </a:extLst>
+          </p:cNvPr>
+          <p:cNvSpPr/>
+          <p:nvPr/>
+        </p:nvSpPr>
+        <p:spPr>
+          <a:xfrm>
+            <a:off x="6096000" y="1802526"/>
+            <a:ext cx="2632841" cy="2706414"/>
+          </a:xfrm>
+          <a:prstGeom prst="rect">
+            <a:avLst/>
+          </a:prstGeom>
+          <a:noFill/>
+        </p:spPr>
+        <p:style>
+          <a:lnRef idx="2">
+            <a:schemeClr val="accent1">
+              <a:shade val="50000"/>
+            </a:schemeClr>
+          </a:lnRef>
+          <a:fillRef idx="1">
+            <a:schemeClr val="accent1"/>
+          </a:fillRef>
+          <a:effectRef idx="0">
+            <a:schemeClr val="accent1"/>
+          </a:effectRef>
+          <a:fontRef idx="minor">
+            <a:schemeClr val="lt1"/>
+          </a:fontRef>
+        </p:style>
+        <p:txBody>
+          <a:bodyPr rtlCol="0" anchor="ctr"/>
+          <a:lstStyle/>
+          <a:p>
+            <a:pPr algn="ctr"/>
+            <a:endParaRPr kumimoji="1" lang="ko-Kore-KR" altLang="en-US"/>
+          </a:p>
+        </p:txBody>
+      </p:sp>
+      <p:sp>
+        <p:nvSpPr>
+          <p:cNvPr id="14" name="TextBox 13">
+            <a:extLst>
+              <a:ext uri="{FF2B5EF4-FFF2-40B4-BE49-F238E27FC236}">
+                <a16:creationId xmlns:a16="http://schemas.microsoft.com/office/drawing/2014/main" id="{050860DE-961D-6D4A-9DAD-A816D19609F1}"/>
+              </a:ext>
+            </a:extLst>
+          </p:cNvPr>
+          <p:cNvSpPr txBox="1"/>
+          <p:nvPr/>
+        </p:nvSpPr>
+        <p:spPr>
+          <a:xfrm>
+            <a:off x="3074402" y="2924900"/>
+            <a:ext cx="2149114" cy="830997"/>
+          </a:xfrm>
+          <a:prstGeom prst="rect">
+            <a:avLst/>
+          </a:prstGeom>
+          <a:noFill/>
+        </p:spPr>
+        <p:txBody>
+          <a:bodyPr wrap="none" rtlCol="0">
+            <a:spAutoFit/>
+          </a:bodyPr>
+          <a:lstStyle/>
+          <a:p>
+            <a:pPr algn="ctr"/>
+            <a:r>
+              <a:rPr kumimoji="1" lang="en-US" altLang="ko-Kore-KR" sz="2400" dirty="0"/>
+              <a:t>UR</a:t>
+            </a:r>
+            <a:r>
+              <a:rPr kumimoji="1" lang="en-US" altLang="ko-Kore-KR" sz="2400" dirty="0">
+                <a:solidFill>
+                  <a:srgbClr val="FF0000"/>
+                </a:solidFill>
+              </a:rPr>
+              <a:t>L</a:t>
+            </a:r>
+          </a:p>
+          <a:p>
+            <a:pPr algn="ctr"/>
+            <a:r>
+              <a:rPr kumimoji="1" lang="en-US" altLang="ko-Kore-KR" sz="2000" dirty="0"/>
+              <a:t>(Resource </a:t>
+            </a:r>
+            <a:r>
+              <a:rPr kumimoji="1" lang="en-US" altLang="ko-Kore-KR" sz="2000" dirty="0">
+                <a:solidFill>
+                  <a:srgbClr val="FF0000"/>
+                </a:solidFill>
+              </a:rPr>
+              <a:t>Locator</a:t>
+            </a:r>
+            <a:r>
+              <a:rPr kumimoji="1" lang="en-US" altLang="ko-Kore-KR" sz="2400" dirty="0"/>
+              <a:t>)</a:t>
+            </a:r>
+            <a:endParaRPr kumimoji="1" lang="ko-Kore-KR" altLang="en-US" sz="2400" dirty="0"/>
+          </a:p>
+        </p:txBody>
+      </p:sp>
+      <p:sp>
+        <p:nvSpPr>
+          <p:cNvPr id="15" name="TextBox 14">
+            <a:extLst>
+              <a:ext uri="{FF2B5EF4-FFF2-40B4-BE49-F238E27FC236}">
+                <a16:creationId xmlns:a16="http://schemas.microsoft.com/office/drawing/2014/main" id="{82983F8E-2779-6443-BE7F-A420F1EF3C5D}"/>
+              </a:ext>
+            </a:extLst>
+          </p:cNvPr>
+          <p:cNvSpPr txBox="1"/>
+          <p:nvPr/>
+        </p:nvSpPr>
+        <p:spPr>
+          <a:xfrm>
+            <a:off x="6408908" y="2924900"/>
+            <a:ext cx="2007023" cy="830997"/>
+          </a:xfrm>
+          <a:prstGeom prst="rect">
+            <a:avLst/>
+          </a:prstGeom>
+          <a:noFill/>
+        </p:spPr>
+        <p:txBody>
+          <a:bodyPr wrap="none" rtlCol="0">
+            <a:spAutoFit/>
+          </a:bodyPr>
+          <a:lstStyle/>
+          <a:p>
+            <a:pPr algn="ctr"/>
+            <a:r>
+              <a:rPr kumimoji="1" lang="en-US" altLang="ko-Kore-KR" sz="2400" dirty="0"/>
+              <a:t>UR</a:t>
+            </a:r>
+            <a:r>
+              <a:rPr kumimoji="1" lang="en-US" altLang="ko-Kore-KR" sz="2400" dirty="0">
+                <a:solidFill>
+                  <a:srgbClr val="FF0000"/>
+                </a:solidFill>
+              </a:rPr>
+              <a:t>N</a:t>
+            </a:r>
+          </a:p>
+          <a:p>
+            <a:pPr algn="ctr"/>
+            <a:r>
+              <a:rPr kumimoji="1" lang="en-US" altLang="ko-Kore-KR" sz="2400" dirty="0"/>
+              <a:t>(</a:t>
+            </a:r>
+            <a:r>
+              <a:rPr kumimoji="1" lang="en-US" altLang="ko-Kore-KR" sz="2000" dirty="0"/>
+              <a:t>Resource </a:t>
+            </a:r>
+            <a:r>
+              <a:rPr kumimoji="1" lang="en-US" altLang="ko-Kore-KR" sz="2000" dirty="0">
+                <a:solidFill>
+                  <a:srgbClr val="FF0000"/>
+                </a:solidFill>
+              </a:rPr>
+              <a:t>Name</a:t>
+            </a:r>
+            <a:r>
+              <a:rPr kumimoji="1" lang="en-US" altLang="ko-Kore-KR" sz="2400" dirty="0"/>
+              <a:t>)</a:t>
+            </a:r>
+            <a:endParaRPr kumimoji="1" lang="ko-Kore-KR" altLang="en-US" sz="2400" dirty="0"/>
+          </a:p>
+        </p:txBody>
+      </p:sp>
+      <p:pic>
+        <p:nvPicPr>
+          <p:cNvPr id="16" name="그림 15">
+            <a:extLst>
+              <a:ext uri="{FF2B5EF4-FFF2-40B4-BE49-F238E27FC236}">
+                <a16:creationId xmlns:a16="http://schemas.microsoft.com/office/drawing/2014/main" id="{0B297295-693C-0B4D-9561-9132239BDF92}"/>
+              </a:ext>
+            </a:extLst>
+          </p:cNvPr>
+          <p:cNvPicPr>
+            <a:picLocks noChangeAspect="1"/>
+          </p:cNvPicPr>
+          <p:nvPr/>
+        </p:nvPicPr>
+        <p:blipFill>
+          <a:blip r:embed="rId2"/>
+          <a:stretch>
+            <a:fillRect/>
+          </a:stretch>
+        </p:blipFill>
+        <p:spPr>
+          <a:xfrm>
+            <a:off x="3820509" y="1135242"/>
+            <a:ext cx="3909849" cy="273226"/>
+          </a:xfrm>
+          <a:prstGeom prst="rect">
+            <a:avLst/>
+          </a:prstGeom>
+        </p:spPr>
+      </p:pic>
+      <p:sp>
+        <p:nvSpPr>
+          <p:cNvPr id="8" name="TextBox 7">
+            <a:extLst>
+              <a:ext uri="{FF2B5EF4-FFF2-40B4-BE49-F238E27FC236}">
+                <a16:creationId xmlns:a16="http://schemas.microsoft.com/office/drawing/2014/main" id="{A6A74E61-BE35-8941-99F8-32817EE6306C}"/>
+              </a:ext>
+            </a:extLst>
+          </p:cNvPr>
+          <p:cNvSpPr txBox="1"/>
+          <p:nvPr/>
+        </p:nvSpPr>
+        <p:spPr>
+          <a:xfrm>
+            <a:off x="3856028" y="885645"/>
+            <a:ext cx="3874330" cy="584775"/>
+          </a:xfrm>
+          <a:prstGeom prst="rect">
+            <a:avLst/>
+          </a:prstGeom>
+          <a:noFill/>
+        </p:spPr>
+        <p:txBody>
+          <a:bodyPr wrap="none" rtlCol="0">
+            <a:spAutoFit/>
+          </a:bodyPr>
+          <a:lstStyle/>
+          <a:p>
+            <a:r>
+              <a:rPr kumimoji="1" lang="en-US" altLang="ko-Kore-KR" sz="3200" dirty="0"/>
+              <a:t>UR</a:t>
+            </a:r>
+            <a:r>
+              <a:rPr kumimoji="1" lang="en-US" altLang="ko-Kore-KR" sz="3200" dirty="0">
+                <a:solidFill>
+                  <a:srgbClr val="FF0000"/>
+                </a:solidFill>
+              </a:rPr>
+              <a:t>I </a:t>
+            </a:r>
+            <a:r>
+              <a:rPr kumimoji="1" lang="en-US" altLang="ko-Kore-KR" sz="3200" dirty="0"/>
+              <a:t>(</a:t>
+            </a:r>
+            <a:r>
+              <a:rPr kumimoji="1" lang="en-US" altLang="ko-Kore-KR" sz="2800" dirty="0"/>
+              <a:t>Resource </a:t>
+            </a:r>
+            <a:r>
+              <a:rPr kumimoji="1" lang="en-US" altLang="ko-Kore-KR" sz="2800" dirty="0">
+                <a:solidFill>
+                  <a:srgbClr val="FF0000"/>
+                </a:solidFill>
+              </a:rPr>
+              <a:t>Identifier</a:t>
+            </a:r>
+            <a:r>
+              <a:rPr kumimoji="1" lang="en-US" altLang="ko-Kore-KR" sz="3200" dirty="0"/>
+              <a:t>)</a:t>
+            </a:r>
+            <a:endParaRPr kumimoji="1" lang="ko-Kore-KR" altLang="en-US" sz="3200" dirty="0"/>
+          </a:p>
+        </p:txBody>
+      </p:sp>
+    </p:spTree>
+    <p:extLst>
+      <p:ext uri="{BB962C8B-B14F-4D97-AF65-F5344CB8AC3E}">
+        <p14:creationId xmlns:p14="http://schemas.microsoft.com/office/powerpoint/2010/main" val="1838370053"/>
+      </p:ext>
+    </p:extLst>
+  </p:cSld>
+  <p:clrMapOvr>
+    <a:masterClrMapping/>
+  </p:clrMapOvr>
+</p:sld>
+</file>
+
+<file path=ppt/slides/slide9.xml><?xml version="1.0" encoding="utf-8"?>
+<p:sld xmlns:a="http://schemas.openxmlformats.org/drawingml/2006/main" xmlns:r="http://schemas.openxmlformats.org/officeDocument/2006/relationships" xmlns:p="http://schemas.openxmlformats.org/presentationml/2006/main">
+  <p:cSld>
+    <p:spTree>
+      <p:nvGrpSpPr>
+        <p:cNvPr id="1" name=""/>
+        <p:cNvGrpSpPr/>
+        <p:nvPr/>
+      </p:nvGrpSpPr>
+      <p:grpSpPr>
+        <a:xfrm>
+          <a:off x="0" y="0"/>
+          <a:ext cx="0" cy="0"/>
+          <a:chOff x="0" y="0"/>
+          <a:chExt cx="0" cy="0"/>
+        </a:xfrm>
+      </p:grpSpPr>
+      <p:pic>
+        <p:nvPicPr>
+          <p:cNvPr id="4" name="그림 3">
+            <a:extLst>
+              <a:ext uri="{FF2B5EF4-FFF2-40B4-BE49-F238E27FC236}">
+                <a16:creationId xmlns:a16="http://schemas.microsoft.com/office/drawing/2014/main" id="{9DCF0D00-AA26-3942-8A76-FF6076152D01}"/>
+              </a:ext>
+            </a:extLst>
+          </p:cNvPr>
+          <p:cNvPicPr>
+            <a:picLocks noChangeAspect="1"/>
+          </p:cNvPicPr>
+          <p:nvPr/>
+        </p:nvPicPr>
+        <p:blipFill>
+          <a:blip r:embed="rId2"/>
+          <a:stretch>
+            <a:fillRect/>
+          </a:stretch>
+        </p:blipFill>
+        <p:spPr>
+          <a:xfrm>
+            <a:off x="939800" y="1403350"/>
+            <a:ext cx="10312400" cy="4051300"/>
+          </a:xfrm>
+          <a:prstGeom prst="rect">
+            <a:avLst/>
+          </a:prstGeom>
+        </p:spPr>
+      </p:pic>
+      <p:sp>
+        <p:nvSpPr>
+          <p:cNvPr id="5" name="직사각형 4">
+            <a:extLst>
+              <a:ext uri="{FF2B5EF4-FFF2-40B4-BE49-F238E27FC236}">
+                <a16:creationId xmlns:a16="http://schemas.microsoft.com/office/drawing/2014/main" id="{5A9A8B40-F230-A143-9F89-63966156E35C}"/>
+              </a:ext>
+            </a:extLst>
+          </p:cNvPr>
+          <p:cNvSpPr/>
+          <p:nvPr/>
+        </p:nvSpPr>
+        <p:spPr>
+          <a:xfrm>
+            <a:off x="3920359" y="2795752"/>
+            <a:ext cx="441434" cy="460628"/>
+          </a:xfrm>
+          <a:prstGeom prst="rect">
+            <a:avLst/>
+          </a:prstGeom>
+          <a:noFill/>
+          <a:ln w="38100">
+            <a:solidFill>
+              <a:srgbClr val="FF0000"/>
+            </a:solidFill>
+          </a:ln>
+        </p:spPr>
+        <p:style>
+          <a:lnRef idx="2">
+            <a:schemeClr val="accent1">
+              <a:shade val="50000"/>
+            </a:schemeClr>
+          </a:lnRef>
+          <a:fillRef idx="1">
+            <a:schemeClr val="accent1"/>
+          </a:fillRef>
+          <a:effectRef idx="0">
+            <a:schemeClr val="accent1"/>
+          </a:effectRef>
+          <a:fontRef idx="minor">
+            <a:schemeClr val="lt1"/>
+          </a:fontRef>
+        </p:style>
+        <p:txBody>
+          <a:bodyPr rtlCol="0" anchor="ctr"/>
+          <a:lstStyle/>
+          <a:p>
+            <a:pPr algn="ctr"/>
+            <a:endParaRPr kumimoji="1" lang="ko-Kore-KR" altLang="en-US"/>
+          </a:p>
+        </p:txBody>
+      </p:sp>
+      <p:sp>
+        <p:nvSpPr>
+          <p:cNvPr id="6" name="직사각형 5">
+            <a:extLst>
+              <a:ext uri="{FF2B5EF4-FFF2-40B4-BE49-F238E27FC236}">
+                <a16:creationId xmlns:a16="http://schemas.microsoft.com/office/drawing/2014/main" id="{9560BD21-18DF-E143-B7DF-3D212AFDC65F}"/>
+              </a:ext>
+            </a:extLst>
+          </p:cNvPr>
+          <p:cNvSpPr/>
+          <p:nvPr/>
+        </p:nvSpPr>
+        <p:spPr>
+          <a:xfrm>
+            <a:off x="9222828" y="1403350"/>
+            <a:ext cx="1455682" cy="460628"/>
+          </a:xfrm>
+          <a:prstGeom prst="rect">
+            <a:avLst/>
+          </a:prstGeom>
+          <a:noFill/>
+          <a:ln w="38100">
+            <a:solidFill>
+              <a:srgbClr val="FF0000"/>
+            </a:solidFill>
+          </a:ln>
+        </p:spPr>
+        <p:style>
+          <a:lnRef idx="2">
+            <a:schemeClr val="accent1">
+              <a:shade val="50000"/>
+            </a:schemeClr>
+          </a:lnRef>
+          <a:fillRef idx="1">
+            <a:schemeClr val="accent1"/>
+          </a:fillRef>
+          <a:effectRef idx="0">
+            <a:schemeClr val="accent1"/>
+          </a:effectRef>
+          <a:fontRef idx="minor">
+            <a:schemeClr val="lt1"/>
+          </a:fontRef>
+        </p:style>
+        <p:txBody>
+          <a:bodyPr rtlCol="0" anchor="ctr"/>
+          <a:lstStyle/>
+          <a:p>
+            <a:pPr algn="ctr"/>
+            <a:endParaRPr kumimoji="1" lang="ko-Kore-KR" altLang="en-US"/>
+          </a:p>
+        </p:txBody>
+      </p:sp>
+      <p:sp>
+        <p:nvSpPr>
+          <p:cNvPr id="7" name="TextBox 6">
+            <a:extLst>
+              <a:ext uri="{FF2B5EF4-FFF2-40B4-BE49-F238E27FC236}">
+                <a16:creationId xmlns:a16="http://schemas.microsoft.com/office/drawing/2014/main" id="{129D6183-251A-3F47-B716-12CE053F7C2F}"/>
+              </a:ext>
+            </a:extLst>
+          </p:cNvPr>
+          <p:cNvSpPr txBox="1"/>
+          <p:nvPr/>
+        </p:nvSpPr>
+        <p:spPr>
+          <a:xfrm>
+            <a:off x="9091448" y="893379"/>
+            <a:ext cx="1636538" cy="369332"/>
+          </a:xfrm>
+          <a:prstGeom prst="rect">
+            <a:avLst/>
+          </a:prstGeom>
+          <a:noFill/>
+        </p:spPr>
+        <p:txBody>
+          <a:bodyPr wrap="none" rtlCol="0">
+            <a:spAutoFit/>
+          </a:bodyPr>
+          <a:lstStyle/>
+          <a:p>
+            <a:r>
+              <a:rPr kumimoji="1" lang="ko-KR" altLang="en-US"/>
+              <a:t>여기 </a:t>
+            </a:r>
+            <a:r>
+              <a:rPr kumimoji="1" lang="en-US" altLang="ko-Kore-KR"/>
+              <a:t>fragment</a:t>
+            </a:r>
+            <a:r>
+              <a:rPr kumimoji="1" lang="en-US" altLang="ko-Kore-KR" dirty="0"/>
+              <a:t>!</a:t>
+            </a:r>
+            <a:endParaRPr kumimoji="1" lang="ko-Kore-KR" altLang="en-US" dirty="0"/>
+          </a:p>
+        </p:txBody>
+      </p:sp>
+      <p:sp>
+        <p:nvSpPr>
+          <p:cNvPr id="8" name="직사각형 7">
+            <a:extLst>
+              <a:ext uri="{FF2B5EF4-FFF2-40B4-BE49-F238E27FC236}">
+                <a16:creationId xmlns:a16="http://schemas.microsoft.com/office/drawing/2014/main" id="{0ACA6A44-957F-C244-8649-6942A21AB0B4}"/>
+              </a:ext>
+            </a:extLst>
+          </p:cNvPr>
+          <p:cNvSpPr/>
+          <p:nvPr/>
+        </p:nvSpPr>
+        <p:spPr>
+          <a:xfrm>
+            <a:off x="735724" y="525517"/>
+            <a:ext cx="10762593" cy="5370786"/>
+          </a:xfrm>
+          <a:prstGeom prst="rect">
+            <a:avLst/>
+          </a:prstGeom>
+          <a:noFill/>
+          <a:ln>
+            <a:solidFill>
+              <a:schemeClr val="bg2">
+                <a:lumMod val="90000"/>
+              </a:schemeClr>
+            </a:solidFill>
+          </a:ln>
+        </p:spPr>
+        <p:style>
+          <a:lnRef idx="2">
+            <a:schemeClr val="accent1">
+              <a:shade val="50000"/>
+            </a:schemeClr>
+          </a:lnRef>
+          <a:fillRef idx="1">
+            <a:schemeClr val="accent1"/>
+          </a:fillRef>
+          <a:effectRef idx="0">
+            <a:schemeClr val="accent1"/>
+          </a:effectRef>
+          <a:fontRef idx="minor">
+            <a:schemeClr val="lt1"/>
+          </a:fontRef>
+        </p:style>
+        <p:txBody>
+          <a:bodyPr rtlCol="0" anchor="ctr"/>
+          <a:lstStyle/>
+          <a:p>
+            <a:pPr algn="ctr"/>
+            <a:endParaRPr kumimoji="1" lang="ko-Kore-KR" altLang="en-US"/>
+          </a:p>
+        </p:txBody>
+      </p:sp>
+    </p:spTree>
+    <p:extLst>
+      <p:ext uri="{BB962C8B-B14F-4D97-AF65-F5344CB8AC3E}">
+        <p14:creationId xmlns:p14="http://schemas.microsoft.com/office/powerpoint/2010/main" val="1380917956"/>
+      </p:ext>
+    </p:extLst>
+  </p:cSld>
+  <p:clrMapOvr>
+    <a:masterClrMapping/>
+  </p:clrMapOvr>
+</p:sld>
+</file>
+
 <file path=ppt/theme/theme1.xml><?xml version="1.0" encoding="utf-8"?>
 <a:theme xmlns:a="http://schemas.openxmlformats.org/drawingml/2006/main" name="Office 테마">
   <a:themeElements>
